--- a/дальнейшее образование.pptx
+++ b/дальнейшее образование.pptx
@@ -216,7 +216,7 @@
           <a:p>
             <a:fld id="{BE2DD1C9-4BB6-422A-8F34-C157EA500BD9}" type="datetimeFigureOut">
               <a:rPr lang="en-US" smtClean="0"/>
-              <a:t>1/17/2019</a:t>
+              <a:t>1/18/2019</a:t>
             </a:fld>
             <a:endParaRPr lang="en-US"/>
           </a:p>
@@ -350,7 +350,7 @@
     </inkml:brush>
   </inkml:definitions>
   <inkml:trace contextRef="#ctx0" brushRef="#br0">0 70,'25534'0,"-25515"0</inkml:trace>
-  <inkml:trace contextRef="#ctx0" brushRef="#br0" timeOffset="50286.793">8629 0,'0'5577,"0"-5655,0 48</inkml:trace>
+  <inkml:trace contextRef="#ctx0" brushRef="#br0" timeOffset="50286.792">8629 0,'0'5577,"0"-5655,0 48</inkml:trace>
   <inkml:trace contextRef="#ctx0" brushRef="#br0" timeOffset="68021.36">8578 5492,'56'0,"-51"0,-7 0,-30 0,-8532 0,8547 0</inkml:trace>
 </inkml:ink>
 </file>
@@ -486,7 +486,7 @@
           <a:p>
             <a:fld id="{1DBD9794-A4CC-42D0-9A65-24C6B9EF4076}" type="datetimeFigureOut">
               <a:rPr lang="en-US" smtClean="0"/>
-              <a:t>1/17/2019</a:t>
+              <a:t>1/18/2019</a:t>
             </a:fld>
             <a:endParaRPr lang="en-US"/>
           </a:p>
@@ -656,7 +656,7 @@
           <a:p>
             <a:fld id="{1DBD9794-A4CC-42D0-9A65-24C6B9EF4076}" type="datetimeFigureOut">
               <a:rPr lang="en-US" smtClean="0"/>
-              <a:t>1/17/2019</a:t>
+              <a:t>1/18/2019</a:t>
             </a:fld>
             <a:endParaRPr lang="en-US"/>
           </a:p>
@@ -836,7 +836,7 @@
           <a:p>
             <a:fld id="{1DBD9794-A4CC-42D0-9A65-24C6B9EF4076}" type="datetimeFigureOut">
               <a:rPr lang="en-US" smtClean="0"/>
-              <a:t>1/17/2019</a:t>
+              <a:t>1/18/2019</a:t>
             </a:fld>
             <a:endParaRPr lang="en-US"/>
           </a:p>
@@ -1006,7 +1006,7 @@
           <a:p>
             <a:fld id="{1DBD9794-A4CC-42D0-9A65-24C6B9EF4076}" type="datetimeFigureOut">
               <a:rPr lang="en-US" smtClean="0"/>
-              <a:t>1/17/2019</a:t>
+              <a:t>1/18/2019</a:t>
             </a:fld>
             <a:endParaRPr lang="en-US"/>
           </a:p>
@@ -1250,7 +1250,7 @@
           <a:p>
             <a:fld id="{1DBD9794-A4CC-42D0-9A65-24C6B9EF4076}" type="datetimeFigureOut">
               <a:rPr lang="en-US" smtClean="0"/>
-              <a:t>1/17/2019</a:t>
+              <a:t>1/18/2019</a:t>
             </a:fld>
             <a:endParaRPr lang="en-US"/>
           </a:p>
@@ -1482,7 +1482,7 @@
           <a:p>
             <a:fld id="{1DBD9794-A4CC-42D0-9A65-24C6B9EF4076}" type="datetimeFigureOut">
               <a:rPr lang="en-US" smtClean="0"/>
-              <a:t>1/17/2019</a:t>
+              <a:t>1/18/2019</a:t>
             </a:fld>
             <a:endParaRPr lang="en-US"/>
           </a:p>
@@ -1849,7 +1849,7 @@
           <a:p>
             <a:fld id="{1DBD9794-A4CC-42D0-9A65-24C6B9EF4076}" type="datetimeFigureOut">
               <a:rPr lang="en-US" smtClean="0"/>
-              <a:t>1/17/2019</a:t>
+              <a:t>1/18/2019</a:t>
             </a:fld>
             <a:endParaRPr lang="en-US"/>
           </a:p>
@@ -1967,7 +1967,7 @@
           <a:p>
             <a:fld id="{1DBD9794-A4CC-42D0-9A65-24C6B9EF4076}" type="datetimeFigureOut">
               <a:rPr lang="en-US" smtClean="0"/>
-              <a:t>1/17/2019</a:t>
+              <a:t>1/18/2019</a:t>
             </a:fld>
             <a:endParaRPr lang="en-US"/>
           </a:p>
@@ -2062,7 +2062,7 @@
           <a:p>
             <a:fld id="{1DBD9794-A4CC-42D0-9A65-24C6B9EF4076}" type="datetimeFigureOut">
               <a:rPr lang="en-US" smtClean="0"/>
-              <a:t>1/17/2019</a:t>
+              <a:t>1/18/2019</a:t>
             </a:fld>
             <a:endParaRPr lang="en-US"/>
           </a:p>
@@ -2339,7 +2339,7 @@
           <a:p>
             <a:fld id="{1DBD9794-A4CC-42D0-9A65-24C6B9EF4076}" type="datetimeFigureOut">
               <a:rPr lang="en-US" smtClean="0"/>
-              <a:t>1/17/2019</a:t>
+              <a:t>1/18/2019</a:t>
             </a:fld>
             <a:endParaRPr lang="en-US"/>
           </a:p>
@@ -2596,7 +2596,7 @@
           <a:p>
             <a:fld id="{1DBD9794-A4CC-42D0-9A65-24C6B9EF4076}" type="datetimeFigureOut">
               <a:rPr lang="en-US" smtClean="0"/>
-              <a:t>1/17/2019</a:t>
+              <a:t>1/18/2019</a:t>
             </a:fld>
             <a:endParaRPr lang="en-US"/>
           </a:p>
@@ -2805,7 +2805,7 @@
           <a:p>
             <a:fld id="{1DBD9794-A4CC-42D0-9A65-24C6B9EF4076}" type="datetimeFigureOut">
               <a:rPr lang="en-US" smtClean="0"/>
-              <a:t>1/17/2019</a:t>
+              <a:t>1/18/2019</a:t>
             </a:fld>
             <a:endParaRPr lang="en-US"/>
           </a:p>
@@ -3284,8 +3284,8 @@
         </p:nvSpPr>
         <p:spPr>
           <a:xfrm>
-            <a:off x="1555749" y="4054726"/>
-            <a:ext cx="7511301" cy="956158"/>
+            <a:off x="2039938" y="3299688"/>
+            <a:ext cx="7003300" cy="956158"/>
           </a:xfrm>
         </p:spPr>
         <p:txBody>
@@ -3313,6 +3313,44 @@
                 <a:latin typeface="+mn-lt"/>
               </a:rPr>
               <a:t>Защита программы дальнейшего образования</a:t>
+            </a:r>
+            <a:r>
+              <a:rPr lang="en-GB" sz="4400" b="1" dirty="0">
+                <a:ln w="9525">
+                  <a:solidFill>
+                    <a:schemeClr val="bg1"/>
+                  </a:solidFill>
+                  <a:prstDash val="solid"/>
+                </a:ln>
+                <a:effectLst>
+                  <a:outerShdw blurRad="12700" dist="38100" dir="2700000" algn="tl" rotWithShape="0">
+                    <a:schemeClr val="bg1">
+                      <a:lumMod val="50000"/>
+                    </a:schemeClr>
+                  </a:outerShdw>
+                </a:effectLst>
+                <a:latin typeface="+mn-lt"/>
+              </a:rPr>
+              <a:t> </a:t>
+            </a:r>
+            <a:r>
+              <a:rPr lang="ru" sz="4400" b="1" dirty="0">
+                <a:ln w="9525">
+                  <a:solidFill>
+                    <a:schemeClr val="bg1"/>
+                  </a:solidFill>
+                  <a:prstDash val="solid"/>
+                </a:ln>
+                <a:effectLst>
+                  <a:outerShdw blurRad="12700" dist="38100" dir="2700000" algn="tl" rotWithShape="0">
+                    <a:schemeClr val="bg1">
+                      <a:lumMod val="50000"/>
+                    </a:schemeClr>
+                  </a:outerShdw>
+                </a:effectLst>
+                <a:latin typeface="+mn-lt"/>
+              </a:rPr>
+              <a:t>МИИ</a:t>
             </a:r>
             <a:endParaRPr lang="en-US" sz="4400" b="1" dirty="0">
               <a:ln w="9525">
@@ -3347,7 +3385,7 @@
         </p:nvSpPr>
         <p:spPr>
           <a:xfrm>
-            <a:off x="3476625" y="5268913"/>
+            <a:off x="4054475" y="4341167"/>
             <a:ext cx="5089525" cy="461665"/>
           </a:xfrm>
           <a:prstGeom prst="rect">
@@ -3540,6 +3578,43 @@
               <a:t>1</a:t>
             </a:r>
             <a:endParaRPr lang="ru-RU" sz="4000" dirty="0"/>
+          </a:p>
+        </p:txBody>
+      </p:sp>
+      <p:sp>
+        <p:nvSpPr>
+          <p:cNvPr id="7" name="TextBox 6">
+            <a:extLst>
+              <a:ext uri="{FF2B5EF4-FFF2-40B4-BE49-F238E27FC236}">
+                <a16:creationId xmlns:a16="http://schemas.microsoft.com/office/drawing/2014/main" id="{8C9E4AF3-6710-4615-81E5-3C0E23BD9377}"/>
+              </a:ext>
+            </a:extLst>
+          </p:cNvPr>
+          <p:cNvSpPr txBox="1"/>
+          <p:nvPr/>
+        </p:nvSpPr>
+        <p:spPr>
+          <a:xfrm rot="10800000" flipV="1">
+            <a:off x="3621088" y="5115423"/>
+            <a:ext cx="5605462" cy="830997"/>
+          </a:xfrm>
+          <a:prstGeom prst="rect">
+            <a:avLst/>
+          </a:prstGeom>
+          <a:noFill/>
+        </p:spPr>
+        <p:txBody>
+          <a:bodyPr wrap="square" rtlCol="0">
+            <a:spAutoFit/>
+          </a:bodyPr>
+          <a:lstStyle/>
+          <a:p>
+            <a:pPr lvl="1" algn="r"/>
+            <a:r>
+              <a:rPr lang="ru" sz="2400" dirty="0"/>
+              <a:t>Куратор: Омельченко Ирина Николаевна</a:t>
+            </a:r>
+            <a:endParaRPr lang="ru-RU" sz="2400" dirty="0"/>
           </a:p>
         </p:txBody>
       </p:sp>
@@ -9200,7 +9275,7 @@
         </p:blipFill>
         <p:spPr>
           <a:xfrm>
-            <a:off x="176742" y="5406498"/>
+            <a:off x="176742" y="5317003"/>
             <a:ext cx="8578321" cy="1492250"/>
           </a:xfrm>
           <a:prstGeom prst="rect">
@@ -9477,8 +9552,8 @@
           </a:prstGeom>
         </p:spPr>
       </p:pic>
-      <mc:AlternateContent xmlns:mc="http://schemas.openxmlformats.org/markup-compatibility/2006">
-        <mc:Choice xmlns:p14="http://schemas.microsoft.com/office/powerpoint/2010/main" Requires="p14">
+      <mc:AlternateContent xmlns:mc="http://schemas.openxmlformats.org/markup-compatibility/2006" xmlns:p14="http://schemas.microsoft.com/office/powerpoint/2010/main">
+        <mc:Choice Requires="p14">
           <p:contentPart p14:bwMode="auto" r:id="rId6">
             <p14:nvContentPartPr>
               <p14:cNvPr id="71" name="Рукописный ввод 70">
@@ -9497,7 +9572,7 @@
             </p14:xfrm>
           </p:contentPart>
         </mc:Choice>
-        <mc:Fallback>
+        <mc:Fallback xmlns="">
           <p:pic>
             <p:nvPicPr>
               <p:cNvPr id="71" name="Рукописный ввод 70">
@@ -9528,8 +9603,8 @@
           </p:pic>
         </mc:Fallback>
       </mc:AlternateContent>
-      <mc:AlternateContent xmlns:mc="http://schemas.openxmlformats.org/markup-compatibility/2006">
-        <mc:Choice xmlns:p14="http://schemas.microsoft.com/office/powerpoint/2010/main" Requires="p14">
+      <mc:AlternateContent xmlns:mc="http://schemas.openxmlformats.org/markup-compatibility/2006" xmlns:p14="http://schemas.microsoft.com/office/powerpoint/2010/main">
+        <mc:Choice Requires="p14">
           <p:contentPart p14:bwMode="auto" r:id="rId8">
             <p14:nvContentPartPr>
               <p14:cNvPr id="77" name="Рукописный ввод 77">
@@ -9548,7 +9623,7 @@
             </p14:xfrm>
           </p:contentPart>
         </mc:Choice>
-        <mc:Fallback>
+        <mc:Fallback xmlns="">
           <p:pic>
             <p:nvPicPr>
               <p:cNvPr id="77" name="Рукописный ввод 77">
@@ -10346,7 +10421,15 @@
                   <a:srgbClr val="000000"/>
                 </a:solidFill>
               </a:rPr>
-              <a:t>Я не сдамся перед сложностями</a:t>
+              <a:t>Я не </a:t>
+            </a:r>
+            <a:r>
+              <a:rPr lang="ru" sz="2000">
+                <a:solidFill>
+                  <a:srgbClr val="000000"/>
+                </a:solidFill>
+              </a:rPr>
+              <a:t>сдамся перед трудностями</a:t>
             </a:r>
             <a:endParaRPr lang="en-US" sz="2000" dirty="0">
               <a:solidFill>
